--- a/files/teaching-resources/concordiacollege-busn-315/busn-315-lecture-note/busn315-ch09.pptx
+++ b/files/teaching-resources/concordiacollege-busn-315/busn-315-lecture-note/busn315-ch09.pptx
@@ -253,7 +253,7 @@
           <a:p>
             <a:fld id="{2D359EC7-19C7-4638-A61A-0E2B59861576}" type="datetimeFigureOut">
               <a:rPr lang="en-US" smtClean="0"/>
-              <a:t>11/21/2025</a:t>
+              <a:t>12/3/2025</a:t>
             </a:fld>
             <a:endParaRPr lang="en-US"/>
           </a:p>
@@ -5739,7 +5739,7 @@
           <a:p>
             <a:fld id="{DFCAFFB9-A874-4FD1-A824-B4042D61D1ED}" type="datetime1">
               <a:rPr lang="en-US" smtClean="0"/>
-              <a:t>11/21/2025</a:t>
+              <a:t>12/3/2025</a:t>
             </a:fld>
             <a:endParaRPr lang="en-US"/>
           </a:p>
@@ -5910,7 +5910,7 @@
           <a:p>
             <a:fld id="{D290497A-627B-46A8-B138-876D4281251E}" type="datetime1">
               <a:rPr lang="en-US" smtClean="0"/>
-              <a:t>11/21/2025</a:t>
+              <a:t>12/3/2025</a:t>
             </a:fld>
             <a:endParaRPr lang="en-US"/>
           </a:p>
@@ -6091,7 +6091,7 @@
           <a:p>
             <a:fld id="{81749246-640D-41B6-A07B-C0FA43D7FEE2}" type="datetime1">
               <a:rPr lang="en-US" smtClean="0"/>
-              <a:t>11/21/2025</a:t>
+              <a:t>12/3/2025</a:t>
             </a:fld>
             <a:endParaRPr lang="en-US"/>
           </a:p>
@@ -6262,7 +6262,7 @@
           <a:p>
             <a:fld id="{2EF79C1E-59CB-458D-A8DF-3DF069B9691A}" type="datetime1">
               <a:rPr lang="en-US" smtClean="0"/>
-              <a:t>11/21/2025</a:t>
+              <a:t>12/3/2025</a:t>
             </a:fld>
             <a:endParaRPr lang="en-US"/>
           </a:p>
@@ -6510,7 +6510,7 @@
           <a:p>
             <a:fld id="{40B038F5-1F4F-49BC-AE81-A69593E39F17}" type="datetime1">
               <a:rPr lang="en-US" smtClean="0"/>
-              <a:t>11/21/2025</a:t>
+              <a:t>12/3/2025</a:t>
             </a:fld>
             <a:endParaRPr lang="en-US"/>
           </a:p>
@@ -6798,7 +6798,7 @@
           <a:p>
             <a:fld id="{3F2B9C03-4953-4667-8B38-5F82E8B7824A}" type="datetime1">
               <a:rPr lang="en-US" smtClean="0"/>
-              <a:t>11/21/2025</a:t>
+              <a:t>12/3/2025</a:t>
             </a:fld>
             <a:endParaRPr lang="en-US"/>
           </a:p>
@@ -7220,7 +7220,7 @@
           <a:p>
             <a:fld id="{CCFF53C9-7EE5-4279-90C5-33FD7C6945F2}" type="datetime1">
               <a:rPr lang="en-US" smtClean="0"/>
-              <a:t>11/21/2025</a:t>
+              <a:t>12/3/2025</a:t>
             </a:fld>
             <a:endParaRPr lang="en-US"/>
           </a:p>
@@ -7340,7 +7340,7 @@
           <a:p>
             <a:fld id="{604720FA-FDEE-4E83-A4C7-BC2FB4952465}" type="datetime1">
               <a:rPr lang="en-US" smtClean="0"/>
-              <a:t>11/21/2025</a:t>
+              <a:t>12/3/2025</a:t>
             </a:fld>
             <a:endParaRPr lang="en-US"/>
           </a:p>
@@ -7438,7 +7438,7 @@
           <a:p>
             <a:fld id="{F4851516-679C-4D73-B89D-29E30821AF23}" type="datetime1">
               <a:rPr lang="en-US" smtClean="0"/>
-              <a:t>11/21/2025</a:t>
+              <a:t>12/3/2025</a:t>
             </a:fld>
             <a:endParaRPr lang="en-US"/>
           </a:p>
@@ -7716,7 +7716,7 @@
           <a:p>
             <a:fld id="{6B003A1F-F54C-4527-A898-553BBCF40EAB}" type="datetime1">
               <a:rPr lang="en-US" smtClean="0"/>
-              <a:t>11/21/2025</a:t>
+              <a:t>12/3/2025</a:t>
             </a:fld>
             <a:endParaRPr lang="en-US"/>
           </a:p>
@@ -7971,7 +7971,7 @@
           <a:p>
             <a:fld id="{12FD13F6-D87E-4E9E-B027-94AE4C3308CD}" type="datetime1">
               <a:rPr lang="en-US" smtClean="0"/>
-              <a:t>11/21/2025</a:t>
+              <a:t>12/3/2025</a:t>
             </a:fld>
             <a:endParaRPr lang="en-US"/>
           </a:p>
@@ -8185,7 +8185,7 @@
           <a:p>
             <a:fld id="{5BE17758-26A5-42DB-960B-17BBCDA98EFC}" type="datetime1">
               <a:rPr lang="en-US" smtClean="0"/>
-              <a:t>11/21/2025</a:t>
+              <a:t>12/3/2025</a:t>
             </a:fld>
             <a:endParaRPr lang="en-US"/>
           </a:p>
